--- a/PimplDotNet.pptx
+++ b/PimplDotNet.pptx
@@ -7,6 +7,11 @@
   <p:sldIdLst>
     <p:sldId id="256" r:id="rId2"/>
     <p:sldId id="257" r:id="rId3"/>
+    <p:sldId id="258" r:id="rId4"/>
+    <p:sldId id="259" r:id="rId5"/>
+    <p:sldId id="260" r:id="rId6"/>
+    <p:sldId id="261" r:id="rId7"/>
+    <p:sldId id="262" r:id="rId8"/>
   </p:sldIdLst>
   <p:sldSz cx="12192000" cy="6858000"/>
   <p:notesSz cx="6858000" cy="9144000"/>
@@ -105,6 +110,11 @@
       </a:defRPr>
     </a:lvl9pPr>
   </p:defaultTextStyle>
+  <p:extLst>
+    <p:ext uri="{EFAFB233-063F-42B5-8137-9DF3F51BA10A}">
+      <p15:sldGuideLst xmlns:p15="http://schemas.microsoft.com/office/powerpoint/2012/main"/>
+    </p:ext>
+  </p:extLst>
 </p:presentation>
 </file>
 
@@ -3019,12 +3029,20 @@
               <a:t>Zeb Mason, </a:t>
             </a:r>
             <a:r>
-              <a:rPr lang="en-US" dirty="0" err="1" smtClean="0"/>
+              <a:rPr lang="en-US" dirty="0" err="1" smtClean="0">
+                <a:hlinkClick r:id="rId2"/>
+              </a:rPr>
               <a:t>DotNetSheff</a:t>
             </a:r>
             <a:r>
+              <a:rPr lang="en-US" dirty="0" smtClean="0">
+                <a:hlinkClick r:id="rId2"/>
+              </a:rPr>
+              <a:t> Meetup</a:t>
+            </a:r>
+            <a:r>
               <a:rPr lang="en-US" dirty="0" smtClean="0"/>
-              <a:t> Meetup, 4</a:t>
+              <a:t>, 4</a:t>
             </a:r>
             <a:r>
               <a:rPr lang="en-US" baseline="30000" dirty="0" smtClean="0"/>
@@ -3032,7 +3050,25 @@
             </a:r>
             <a:r>
               <a:rPr lang="en-US" dirty="0" smtClean="0"/>
-              <a:t> June 2019</a:t>
+              <a:t> June </a:t>
+            </a:r>
+            <a:r>
+              <a:rPr lang="en-US" dirty="0" smtClean="0"/>
+              <a:t>2019</a:t>
+            </a:r>
+          </a:p>
+          <a:p>
+            <a:r>
+              <a:rPr lang="en-GB" dirty="0">
+                <a:hlinkClick r:id="rId3"/>
+              </a:rPr>
+              <a:t>https://</a:t>
+            </a:r>
+            <a:r>
+              <a:rPr lang="en-GB" dirty="0" smtClean="0">
+                <a:hlinkClick r:id="rId3"/>
+              </a:rPr>
+              <a:t>github.com/zebmason/PimplDotNet</a:t>
             </a:r>
             <a:endParaRPr lang="en-GB" dirty="0"/>
           </a:p>
@@ -3120,6 +3156,475 @@
     <p:extLst>
       <p:ext uri="{BB962C8B-B14F-4D97-AF65-F5344CB8AC3E}">
         <p14:creationId xmlns:p14="http://schemas.microsoft.com/office/powerpoint/2010/main" val="1871800136"/>
+      </p:ext>
+    </p:extLst>
+  </p:cSld>
+  <p:clrMapOvr>
+    <a:masterClrMapping/>
+  </p:clrMapOvr>
+</p:sld>
+</file>
+
+<file path=ppt/slides/slide3.xml><?xml version="1.0" encoding="utf-8"?>
+<p:sld xmlns:a="http://schemas.openxmlformats.org/drawingml/2006/main" xmlns:r="http://schemas.openxmlformats.org/officeDocument/2006/relationships" xmlns:p="http://schemas.openxmlformats.org/presentationml/2006/main">
+  <p:cSld>
+    <p:spTree>
+      <p:nvGrpSpPr>
+        <p:cNvPr id="1" name=""/>
+        <p:cNvGrpSpPr/>
+        <p:nvPr/>
+      </p:nvGrpSpPr>
+      <p:grpSpPr>
+        <a:xfrm>
+          <a:off x="0" y="0"/>
+          <a:ext cx="0" cy="0"/>
+          <a:chOff x="0" y="0"/>
+          <a:chExt cx="0" cy="0"/>
+        </a:xfrm>
+      </p:grpSpPr>
+      <p:sp>
+        <p:nvSpPr>
+          <p:cNvPr id="2" name="Title 1"/>
+          <p:cNvSpPr>
+            <a:spLocks noGrp="1"/>
+          </p:cNvSpPr>
+          <p:nvPr>
+            <p:ph type="title"/>
+          </p:nvPr>
+        </p:nvSpPr>
+        <p:spPr/>
+        <p:txBody>
+          <a:bodyPr/>
+          <a:lstStyle/>
+          <a:p>
+            <a:pPr algn="ctr"/>
+            <a:r>
+              <a:rPr lang="en-GB" dirty="0" smtClean="0"/>
+              <a:t>Create a public implementation</a:t>
+            </a:r>
+            <a:endParaRPr lang="en-GB" dirty="0"/>
+          </a:p>
+        </p:txBody>
+      </p:sp>
+      <p:pic>
+        <p:nvPicPr>
+          <p:cNvPr id="3" name="Picture 2"/>
+          <p:cNvPicPr>
+            <a:picLocks noChangeAspect="1"/>
+          </p:cNvPicPr>
+          <p:nvPr/>
+        </p:nvPicPr>
+        <p:blipFill rotWithShape="1">
+          <a:blip r:embed="rId2"/>
+          <a:srcRect l="2775" t="12568" r="70900" b="26242"/>
+          <a:stretch/>
+        </p:blipFill>
+        <p:spPr>
+          <a:xfrm>
+            <a:off x="585216" y="1690688"/>
+            <a:ext cx="3209544" cy="4006024"/>
+          </a:xfrm>
+          <a:prstGeom prst="rect">
+            <a:avLst/>
+          </a:prstGeom>
+        </p:spPr>
+      </p:pic>
+      <p:pic>
+        <p:nvPicPr>
+          <p:cNvPr id="4" name="Picture 3"/>
+          <p:cNvPicPr>
+            <a:picLocks noChangeAspect="1"/>
+          </p:cNvPicPr>
+          <p:nvPr/>
+        </p:nvPicPr>
+        <p:blipFill rotWithShape="1">
+          <a:blip r:embed="rId3"/>
+          <a:srcRect l="2925" t="12386" r="63025" b="32804"/>
+          <a:stretch/>
+        </p:blipFill>
+        <p:spPr>
+          <a:xfrm>
+            <a:off x="5497200" y="1690689"/>
+            <a:ext cx="4151376" cy="3588322"/>
+          </a:xfrm>
+          <a:prstGeom prst="rect">
+            <a:avLst/>
+          </a:prstGeom>
+        </p:spPr>
+      </p:pic>
+    </p:spTree>
+    <p:extLst>
+      <p:ext uri="{BB962C8B-B14F-4D97-AF65-F5344CB8AC3E}">
+        <p14:creationId xmlns:p14="http://schemas.microsoft.com/office/powerpoint/2010/main" val="1534956248"/>
+      </p:ext>
+    </p:extLst>
+  </p:cSld>
+  <p:clrMapOvr>
+    <a:masterClrMapping/>
+  </p:clrMapOvr>
+</p:sld>
+</file>
+
+<file path=ppt/slides/slide4.xml><?xml version="1.0" encoding="utf-8"?>
+<p:sld xmlns:a="http://schemas.openxmlformats.org/drawingml/2006/main" xmlns:r="http://schemas.openxmlformats.org/officeDocument/2006/relationships" xmlns:p="http://schemas.openxmlformats.org/presentationml/2006/main">
+  <p:cSld>
+    <p:spTree>
+      <p:nvGrpSpPr>
+        <p:cNvPr id="1" name=""/>
+        <p:cNvGrpSpPr/>
+        <p:nvPr/>
+      </p:nvGrpSpPr>
+      <p:grpSpPr>
+        <a:xfrm>
+          <a:off x="0" y="0"/>
+          <a:ext cx="0" cy="0"/>
+          <a:chOff x="0" y="0"/>
+          <a:chExt cx="0" cy="0"/>
+        </a:xfrm>
+      </p:grpSpPr>
+      <p:sp>
+        <p:nvSpPr>
+          <p:cNvPr id="2" name="Title 1"/>
+          <p:cNvSpPr>
+            <a:spLocks noGrp="1"/>
+          </p:cNvSpPr>
+          <p:nvPr>
+            <p:ph type="title"/>
+          </p:nvPr>
+        </p:nvSpPr>
+        <p:spPr/>
+        <p:txBody>
+          <a:bodyPr/>
+          <a:lstStyle/>
+          <a:p>
+            <a:pPr algn="ctr"/>
+            <a:r>
+              <a:rPr lang="en-GB" dirty="0"/>
+              <a:t>Create a </a:t>
+            </a:r>
+            <a:r>
+              <a:rPr lang="en-GB" dirty="0" smtClean="0"/>
+              <a:t>private </a:t>
+            </a:r>
+            <a:r>
+              <a:rPr lang="en-GB" dirty="0"/>
+              <a:t>implementation</a:t>
+            </a:r>
+          </a:p>
+        </p:txBody>
+      </p:sp>
+      <p:pic>
+        <p:nvPicPr>
+          <p:cNvPr id="3" name="Picture 2"/>
+          <p:cNvPicPr>
+            <a:picLocks noChangeAspect="1"/>
+          </p:cNvPicPr>
+          <p:nvPr/>
+        </p:nvPicPr>
+        <p:blipFill rotWithShape="1">
+          <a:blip r:embed="rId2"/>
+          <a:srcRect l="3001" t="12569" r="57774" b="54749"/>
+          <a:stretch/>
+        </p:blipFill>
+        <p:spPr>
+          <a:xfrm>
+            <a:off x="586800" y="1692000"/>
+            <a:ext cx="4782312" cy="2139696"/>
+          </a:xfrm>
+          <a:prstGeom prst="rect">
+            <a:avLst/>
+          </a:prstGeom>
+        </p:spPr>
+      </p:pic>
+      <p:pic>
+        <p:nvPicPr>
+          <p:cNvPr id="4" name="Picture 3"/>
+          <p:cNvPicPr>
+            <a:picLocks noChangeAspect="1"/>
+          </p:cNvPicPr>
+          <p:nvPr/>
+        </p:nvPicPr>
+        <p:blipFill rotWithShape="1">
+          <a:blip r:embed="rId3"/>
+          <a:srcRect l="2850" t="12429" r="64750" b="56843"/>
+          <a:stretch/>
+        </p:blipFill>
+        <p:spPr>
+          <a:xfrm>
+            <a:off x="5495544" y="1692000"/>
+            <a:ext cx="3950208" cy="2011681"/>
+          </a:xfrm>
+          <a:prstGeom prst="rect">
+            <a:avLst/>
+          </a:prstGeom>
+        </p:spPr>
+      </p:pic>
+    </p:spTree>
+    <p:extLst>
+      <p:ext uri="{BB962C8B-B14F-4D97-AF65-F5344CB8AC3E}">
+        <p14:creationId xmlns:p14="http://schemas.microsoft.com/office/powerpoint/2010/main" val="4212618959"/>
+      </p:ext>
+    </p:extLst>
+  </p:cSld>
+  <p:clrMapOvr>
+    <a:masterClrMapping/>
+  </p:clrMapOvr>
+</p:sld>
+</file>
+
+<file path=ppt/slides/slide5.xml><?xml version="1.0" encoding="utf-8"?>
+<p:sld xmlns:a="http://schemas.openxmlformats.org/drawingml/2006/main" xmlns:r="http://schemas.openxmlformats.org/officeDocument/2006/relationships" xmlns:p="http://schemas.openxmlformats.org/presentationml/2006/main">
+  <p:cSld>
+    <p:spTree>
+      <p:nvGrpSpPr>
+        <p:cNvPr id="1" name=""/>
+        <p:cNvGrpSpPr/>
+        <p:nvPr/>
+      </p:nvGrpSpPr>
+      <p:grpSpPr>
+        <a:xfrm>
+          <a:off x="0" y="0"/>
+          <a:ext cx="0" cy="0"/>
+          <a:chOff x="0" y="0"/>
+          <a:chExt cx="0" cy="0"/>
+        </a:xfrm>
+      </p:grpSpPr>
+      <p:sp>
+        <p:nvSpPr>
+          <p:cNvPr id="2" name="Title 1"/>
+          <p:cNvSpPr>
+            <a:spLocks noGrp="1"/>
+          </p:cNvSpPr>
+          <p:nvPr>
+            <p:ph type="title"/>
+          </p:nvPr>
+        </p:nvSpPr>
+        <p:spPr/>
+        <p:txBody>
+          <a:bodyPr/>
+          <a:lstStyle/>
+          <a:p>
+            <a:pPr algn="ctr"/>
+            <a:r>
+              <a:rPr lang="en-GB" dirty="0" smtClean="0"/>
+              <a:t>Pretty print the public</a:t>
+            </a:r>
+            <a:endParaRPr lang="en-GB" dirty="0"/>
+          </a:p>
+        </p:txBody>
+      </p:sp>
+      <p:pic>
+        <p:nvPicPr>
+          <p:cNvPr id="4" name="Picture 3"/>
+          <p:cNvPicPr>
+            <a:picLocks noChangeAspect="1"/>
+          </p:cNvPicPr>
+          <p:nvPr/>
+        </p:nvPicPr>
+        <p:blipFill>
+          <a:blip r:embed="rId2"/>
+          <a:stretch>
+            <a:fillRect/>
+          </a:stretch>
+        </p:blipFill>
+        <p:spPr>
+          <a:xfrm>
+            <a:off x="1083600" y="1324800"/>
+            <a:ext cx="10022400" cy="5324400"/>
+          </a:xfrm>
+          <a:prstGeom prst="rect">
+            <a:avLst/>
+          </a:prstGeom>
+        </p:spPr>
+      </p:pic>
+    </p:spTree>
+    <p:extLst>
+      <p:ext uri="{BB962C8B-B14F-4D97-AF65-F5344CB8AC3E}">
+        <p14:creationId xmlns:p14="http://schemas.microsoft.com/office/powerpoint/2010/main" val="3185220670"/>
+      </p:ext>
+    </p:extLst>
+  </p:cSld>
+  <p:clrMapOvr>
+    <a:masterClrMapping/>
+  </p:clrMapOvr>
+</p:sld>
+</file>
+
+<file path=ppt/slides/slide6.xml><?xml version="1.0" encoding="utf-8"?>
+<p:sld xmlns:a="http://schemas.openxmlformats.org/drawingml/2006/main" xmlns:r="http://schemas.openxmlformats.org/officeDocument/2006/relationships" xmlns:p="http://schemas.openxmlformats.org/presentationml/2006/main">
+  <p:cSld>
+    <p:spTree>
+      <p:nvGrpSpPr>
+        <p:cNvPr id="1" name=""/>
+        <p:cNvGrpSpPr/>
+        <p:nvPr/>
+      </p:nvGrpSpPr>
+      <p:grpSpPr>
+        <a:xfrm>
+          <a:off x="0" y="0"/>
+          <a:ext cx="0" cy="0"/>
+          <a:chOff x="0" y="0"/>
+          <a:chExt cx="0" cy="0"/>
+        </a:xfrm>
+      </p:grpSpPr>
+      <p:sp>
+        <p:nvSpPr>
+          <p:cNvPr id="2" name="Title 1"/>
+          <p:cNvSpPr>
+            <a:spLocks noGrp="1"/>
+          </p:cNvSpPr>
+          <p:nvPr>
+            <p:ph type="title"/>
+          </p:nvPr>
+        </p:nvSpPr>
+        <p:spPr/>
+        <p:txBody>
+          <a:bodyPr/>
+          <a:lstStyle/>
+          <a:p>
+            <a:pPr algn="ctr"/>
+            <a:r>
+              <a:rPr lang="en-GB" dirty="0" smtClean="0"/>
+              <a:t>Pretty print the private</a:t>
+            </a:r>
+            <a:endParaRPr lang="en-GB" dirty="0"/>
+          </a:p>
+        </p:txBody>
+      </p:sp>
+      <p:pic>
+        <p:nvPicPr>
+          <p:cNvPr id="3" name="Picture 2"/>
+          <p:cNvPicPr>
+            <a:picLocks noChangeAspect="1"/>
+          </p:cNvPicPr>
+          <p:nvPr/>
+        </p:nvPicPr>
+        <p:blipFill>
+          <a:blip r:embed="rId2"/>
+          <a:stretch>
+            <a:fillRect/>
+          </a:stretch>
+        </p:blipFill>
+        <p:spPr>
+          <a:xfrm>
+            <a:off x="1083600" y="1324800"/>
+            <a:ext cx="10022400" cy="5324400"/>
+          </a:xfrm>
+          <a:prstGeom prst="rect">
+            <a:avLst/>
+          </a:prstGeom>
+        </p:spPr>
+      </p:pic>
+    </p:spTree>
+    <p:extLst>
+      <p:ext uri="{BB962C8B-B14F-4D97-AF65-F5344CB8AC3E}">
+        <p14:creationId xmlns:p14="http://schemas.microsoft.com/office/powerpoint/2010/main" val="43510070"/>
+      </p:ext>
+    </p:extLst>
+  </p:cSld>
+  <p:clrMapOvr>
+    <a:masterClrMapping/>
+  </p:clrMapOvr>
+</p:sld>
+</file>
+
+<file path=ppt/slides/slide7.xml><?xml version="1.0" encoding="utf-8"?>
+<p:sld xmlns:a="http://schemas.openxmlformats.org/drawingml/2006/main" xmlns:r="http://schemas.openxmlformats.org/officeDocument/2006/relationships" xmlns:p="http://schemas.openxmlformats.org/presentationml/2006/main">
+  <p:cSld>
+    <p:spTree>
+      <p:nvGrpSpPr>
+        <p:cNvPr id="1" name=""/>
+        <p:cNvGrpSpPr/>
+        <p:nvPr/>
+      </p:nvGrpSpPr>
+      <p:grpSpPr>
+        <a:xfrm>
+          <a:off x="0" y="0"/>
+          <a:ext cx="0" cy="0"/>
+          <a:chOff x="0" y="0"/>
+          <a:chExt cx="0" cy="0"/>
+        </a:xfrm>
+      </p:grpSpPr>
+      <p:sp>
+        <p:nvSpPr>
+          <p:cNvPr id="2" name="Title 1"/>
+          <p:cNvSpPr>
+            <a:spLocks noGrp="1"/>
+          </p:cNvSpPr>
+          <p:nvPr>
+            <p:ph type="title"/>
+          </p:nvPr>
+        </p:nvSpPr>
+        <p:spPr/>
+        <p:txBody>
+          <a:bodyPr/>
+          <a:lstStyle/>
+          <a:p>
+            <a:pPr algn="ctr"/>
+            <a:r>
+              <a:rPr lang="en-GB" dirty="0" smtClean="0"/>
+              <a:t>Finally the !</a:t>
+            </a:r>
+            <a:r>
+              <a:rPr lang="en-GB" dirty="0" err="1" smtClean="0"/>
+              <a:t>finaliser</a:t>
+            </a:r>
+            <a:endParaRPr lang="en-GB" dirty="0"/>
+          </a:p>
+        </p:txBody>
+      </p:sp>
+      <p:sp>
+        <p:nvSpPr>
+          <p:cNvPr id="3" name="Content Placeholder 2"/>
+          <p:cNvSpPr>
+            <a:spLocks noGrp="1"/>
+          </p:cNvSpPr>
+          <p:nvPr>
+            <p:ph idx="1"/>
+          </p:nvPr>
+        </p:nvSpPr>
+        <p:spPr/>
+        <p:txBody>
+          <a:bodyPr/>
+          <a:lstStyle/>
+          <a:p>
+            <a:r>
+              <a:rPr lang="en-GB" dirty="0"/>
+              <a:t>e.g. Program::!Program()</a:t>
+            </a:r>
+            <a:endParaRPr lang="en-GB" dirty="0" smtClean="0"/>
+          </a:p>
+          <a:p>
+            <a:r>
+              <a:rPr lang="en-GB" dirty="0" smtClean="0"/>
+              <a:t>Called by the garbage collector which is run in a separate thread</a:t>
+            </a:r>
+          </a:p>
+          <a:p>
+            <a:r>
+              <a:rPr lang="en-GB" dirty="0"/>
+              <a:t>I</a:t>
+            </a:r>
+            <a:r>
+              <a:rPr lang="en-GB" dirty="0" smtClean="0"/>
+              <a:t>f you try to delete unmanaged memory in the </a:t>
+            </a:r>
+            <a:r>
+              <a:rPr lang="en-GB" dirty="0" err="1" smtClean="0"/>
+              <a:t>finaliser</a:t>
+            </a:r>
+            <a:r>
+              <a:rPr lang="en-GB" dirty="0" smtClean="0"/>
+              <a:t> then expect random crashing</a:t>
+            </a:r>
+            <a:endParaRPr lang="en-GB" dirty="0"/>
+          </a:p>
+        </p:txBody>
+      </p:sp>
+    </p:spTree>
+    <p:extLst>
+      <p:ext uri="{BB962C8B-B14F-4D97-AF65-F5344CB8AC3E}">
+        <p14:creationId xmlns:p14="http://schemas.microsoft.com/office/powerpoint/2010/main" val="3906077617"/>
       </p:ext>
     </p:extLst>
   </p:cSld>

--- a/PimplDotNet.pptx
+++ b/PimplDotNet.pptx
@@ -7,11 +7,19 @@
   <p:sldIdLst>
     <p:sldId id="256" r:id="rId2"/>
     <p:sldId id="257" r:id="rId3"/>
-    <p:sldId id="258" r:id="rId4"/>
-    <p:sldId id="259" r:id="rId5"/>
-    <p:sldId id="260" r:id="rId6"/>
-    <p:sldId id="261" r:id="rId7"/>
-    <p:sldId id="262" r:id="rId8"/>
+    <p:sldId id="268" r:id="rId4"/>
+    <p:sldId id="258" r:id="rId5"/>
+    <p:sldId id="263" r:id="rId6"/>
+    <p:sldId id="264" r:id="rId7"/>
+    <p:sldId id="259" r:id="rId8"/>
+    <p:sldId id="265" r:id="rId9"/>
+    <p:sldId id="266" r:id="rId10"/>
+    <p:sldId id="267" r:id="rId11"/>
+    <p:sldId id="260" r:id="rId12"/>
+    <p:sldId id="261" r:id="rId13"/>
+    <p:sldId id="262" r:id="rId14"/>
+    <p:sldId id="269" r:id="rId15"/>
+    <p:sldId id="270" r:id="rId16"/>
   </p:sldIdLst>
   <p:sldSz cx="12192000" cy="6858000"/>
   <p:notesSz cx="6858000" cy="9144000"/>
@@ -3050,11 +3058,7 @@
             </a:r>
             <a:r>
               <a:rPr lang="en-US" dirty="0" smtClean="0"/>
-              <a:t> June </a:t>
-            </a:r>
-            <a:r>
-              <a:rPr lang="en-US" dirty="0" smtClean="0"/>
-              <a:t>2019</a:t>
+              <a:t> June 2019</a:t>
             </a:r>
           </a:p>
           <a:p>
@@ -3084,6 +3088,691 @@
   <p:clrMapOvr>
     <a:masterClrMapping/>
   </p:clrMapOvr>
+  <p:timing>
+    <p:tnLst>
+      <p:par>
+        <p:cTn id="1" dur="indefinite" restart="never" nodeType="tmRoot"/>
+      </p:par>
+    </p:tnLst>
+  </p:timing>
+</p:sld>
+</file>
+
+<file path=ppt/slides/slide10.xml><?xml version="1.0" encoding="utf-8"?>
+<p:sld xmlns:a="http://schemas.openxmlformats.org/drawingml/2006/main" xmlns:r="http://schemas.openxmlformats.org/officeDocument/2006/relationships" xmlns:p="http://schemas.openxmlformats.org/presentationml/2006/main">
+  <p:cSld>
+    <p:spTree>
+      <p:nvGrpSpPr>
+        <p:cNvPr id="1" name=""/>
+        <p:cNvGrpSpPr/>
+        <p:nvPr/>
+      </p:nvGrpSpPr>
+      <p:grpSpPr>
+        <a:xfrm>
+          <a:off x="0" y="0"/>
+          <a:ext cx="0" cy="0"/>
+          <a:chOff x="0" y="0"/>
+          <a:chExt cx="0" cy="0"/>
+        </a:xfrm>
+      </p:grpSpPr>
+      <p:sp>
+        <p:nvSpPr>
+          <p:cNvPr id="2" name="Title 1"/>
+          <p:cNvSpPr>
+            <a:spLocks noGrp="1"/>
+          </p:cNvSpPr>
+          <p:nvPr>
+            <p:ph type="title"/>
+          </p:nvPr>
+        </p:nvSpPr>
+        <p:spPr/>
+        <p:txBody>
+          <a:bodyPr/>
+          <a:lstStyle/>
+          <a:p>
+            <a:pPr algn="ctr"/>
+            <a:r>
+              <a:rPr lang="en-GB" dirty="0" smtClean="0"/>
+              <a:t>A </a:t>
+            </a:r>
+            <a:r>
+              <a:rPr lang="en-GB" dirty="0" smtClean="0"/>
+              <a:t>private </a:t>
+            </a:r>
+            <a:r>
+              <a:rPr lang="en-GB" dirty="0"/>
+              <a:t>implementation</a:t>
+            </a:r>
+          </a:p>
+        </p:txBody>
+      </p:sp>
+      <p:pic>
+        <p:nvPicPr>
+          <p:cNvPr id="3" name="Picture 2"/>
+          <p:cNvPicPr>
+            <a:picLocks noChangeAspect="1"/>
+          </p:cNvPicPr>
+          <p:nvPr/>
+        </p:nvPicPr>
+        <p:blipFill rotWithShape="1">
+          <a:blip r:embed="rId2"/>
+          <a:srcRect l="3001" t="12569" r="57774" b="54749"/>
+          <a:stretch/>
+        </p:blipFill>
+        <p:spPr>
+          <a:xfrm>
+            <a:off x="586800" y="1692000"/>
+            <a:ext cx="4782312" cy="2139696"/>
+          </a:xfrm>
+          <a:prstGeom prst="rect">
+            <a:avLst/>
+          </a:prstGeom>
+        </p:spPr>
+      </p:pic>
+      <p:pic>
+        <p:nvPicPr>
+          <p:cNvPr id="4" name="Picture 3"/>
+          <p:cNvPicPr>
+            <a:picLocks noChangeAspect="1"/>
+          </p:cNvPicPr>
+          <p:nvPr/>
+        </p:nvPicPr>
+        <p:blipFill rotWithShape="1">
+          <a:blip r:embed="rId3"/>
+          <a:srcRect l="2850" t="12429" r="64750" b="56843"/>
+          <a:stretch/>
+        </p:blipFill>
+        <p:spPr>
+          <a:xfrm>
+            <a:off x="5495544" y="1692000"/>
+            <a:ext cx="3950208" cy="2011681"/>
+          </a:xfrm>
+          <a:prstGeom prst="rect">
+            <a:avLst/>
+          </a:prstGeom>
+        </p:spPr>
+      </p:pic>
+      <p:cxnSp>
+        <p:nvCxnSpPr>
+          <p:cNvPr id="5" name="Straight Arrow Connector 4"/>
+          <p:cNvCxnSpPr/>
+          <p:nvPr/>
+        </p:nvCxnSpPr>
+        <p:spPr>
+          <a:xfrm flipH="1" flipV="1">
+            <a:off x="6675120" y="3475080"/>
+            <a:ext cx="2697480" cy="1353312"/>
+          </a:xfrm>
+          <a:prstGeom prst="straightConnector1">
+            <a:avLst/>
+          </a:prstGeom>
+          <a:ln>
+            <a:solidFill>
+              <a:srgbClr val="FF0000"/>
+            </a:solidFill>
+            <a:tailEnd type="triangle"/>
+          </a:ln>
+        </p:spPr>
+        <p:style>
+          <a:lnRef idx="1">
+            <a:schemeClr val="accent1"/>
+          </a:lnRef>
+          <a:fillRef idx="0">
+            <a:schemeClr val="accent1"/>
+          </a:fillRef>
+          <a:effectRef idx="0">
+            <a:schemeClr val="accent1"/>
+          </a:effectRef>
+          <a:fontRef idx="minor">
+            <a:schemeClr val="tx1"/>
+          </a:fontRef>
+        </p:style>
+      </p:cxnSp>
+      <p:sp>
+        <p:nvSpPr>
+          <p:cNvPr id="6" name="TextBox 5"/>
+          <p:cNvSpPr txBox="1"/>
+          <p:nvPr/>
+        </p:nvSpPr>
+        <p:spPr>
+          <a:xfrm>
+            <a:off x="9369684" y="4828392"/>
+            <a:ext cx="2901564" cy="369332"/>
+          </a:xfrm>
+          <a:prstGeom prst="rect">
+            <a:avLst/>
+          </a:prstGeom>
+          <a:noFill/>
+        </p:spPr>
+        <p:txBody>
+          <a:bodyPr wrap="square" rtlCol="0">
+            <a:spAutoFit/>
+          </a:bodyPr>
+          <a:lstStyle/>
+          <a:p>
+            <a:r>
+              <a:rPr lang="en-GB" dirty="0" smtClean="0">
+                <a:solidFill>
+                  <a:srgbClr val="FF0000"/>
+                </a:solidFill>
+              </a:rPr>
+              <a:t>It calls a managed method</a:t>
+            </a:r>
+            <a:endParaRPr lang="en-GB" dirty="0">
+              <a:solidFill>
+                <a:srgbClr val="FF0000"/>
+              </a:solidFill>
+            </a:endParaRPr>
+          </a:p>
+        </p:txBody>
+      </p:sp>
+    </p:spTree>
+    <p:extLst>
+      <p:ext uri="{BB962C8B-B14F-4D97-AF65-F5344CB8AC3E}">
+        <p14:creationId xmlns:p14="http://schemas.microsoft.com/office/powerpoint/2010/main" val="2987767202"/>
+      </p:ext>
+    </p:extLst>
+  </p:cSld>
+  <p:clrMapOvr>
+    <a:masterClrMapping/>
+  </p:clrMapOvr>
+  <p:timing>
+    <p:tnLst>
+      <p:par>
+        <p:cTn id="1" dur="indefinite" restart="never" nodeType="tmRoot"/>
+      </p:par>
+    </p:tnLst>
+  </p:timing>
+</p:sld>
+</file>
+
+<file path=ppt/slides/slide11.xml><?xml version="1.0" encoding="utf-8"?>
+<p:sld xmlns:a="http://schemas.openxmlformats.org/drawingml/2006/main" xmlns:r="http://schemas.openxmlformats.org/officeDocument/2006/relationships" xmlns:p="http://schemas.openxmlformats.org/presentationml/2006/main">
+  <p:cSld>
+    <p:spTree>
+      <p:nvGrpSpPr>
+        <p:cNvPr id="1" name=""/>
+        <p:cNvGrpSpPr/>
+        <p:nvPr/>
+      </p:nvGrpSpPr>
+      <p:grpSpPr>
+        <a:xfrm>
+          <a:off x="0" y="0"/>
+          <a:ext cx="0" cy="0"/>
+          <a:chOff x="0" y="0"/>
+          <a:chExt cx="0" cy="0"/>
+        </a:xfrm>
+      </p:grpSpPr>
+      <p:sp>
+        <p:nvSpPr>
+          <p:cNvPr id="2" name="Title 1"/>
+          <p:cNvSpPr>
+            <a:spLocks noGrp="1"/>
+          </p:cNvSpPr>
+          <p:nvPr>
+            <p:ph type="title"/>
+          </p:nvPr>
+        </p:nvSpPr>
+        <p:spPr/>
+        <p:txBody>
+          <a:bodyPr/>
+          <a:lstStyle/>
+          <a:p>
+            <a:pPr algn="ctr"/>
+            <a:r>
+              <a:rPr lang="en-GB" dirty="0" smtClean="0"/>
+              <a:t>Pretty print the </a:t>
+            </a:r>
+            <a:r>
+              <a:rPr lang="en-GB" dirty="0"/>
+              <a:t>public implementation</a:t>
+            </a:r>
+            <a:endParaRPr lang="en-GB" dirty="0"/>
+          </a:p>
+        </p:txBody>
+      </p:sp>
+      <p:pic>
+        <p:nvPicPr>
+          <p:cNvPr id="4" name="Picture 3"/>
+          <p:cNvPicPr>
+            <a:picLocks noChangeAspect="1"/>
+          </p:cNvPicPr>
+          <p:nvPr/>
+        </p:nvPicPr>
+        <p:blipFill>
+          <a:blip r:embed="rId2"/>
+          <a:stretch>
+            <a:fillRect/>
+          </a:stretch>
+        </p:blipFill>
+        <p:spPr>
+          <a:xfrm>
+            <a:off x="1083600" y="1324800"/>
+            <a:ext cx="10022400" cy="5324400"/>
+          </a:xfrm>
+          <a:prstGeom prst="rect">
+            <a:avLst/>
+          </a:prstGeom>
+        </p:spPr>
+      </p:pic>
+    </p:spTree>
+    <p:extLst>
+      <p:ext uri="{BB962C8B-B14F-4D97-AF65-F5344CB8AC3E}">
+        <p14:creationId xmlns:p14="http://schemas.microsoft.com/office/powerpoint/2010/main" val="3185220670"/>
+      </p:ext>
+    </p:extLst>
+  </p:cSld>
+  <p:clrMapOvr>
+    <a:masterClrMapping/>
+  </p:clrMapOvr>
+  <p:timing>
+    <p:tnLst>
+      <p:par>
+        <p:cTn id="1" dur="indefinite" restart="never" nodeType="tmRoot"/>
+      </p:par>
+    </p:tnLst>
+  </p:timing>
+</p:sld>
+</file>
+
+<file path=ppt/slides/slide12.xml><?xml version="1.0" encoding="utf-8"?>
+<p:sld xmlns:a="http://schemas.openxmlformats.org/drawingml/2006/main" xmlns:r="http://schemas.openxmlformats.org/officeDocument/2006/relationships" xmlns:p="http://schemas.openxmlformats.org/presentationml/2006/main">
+  <p:cSld>
+    <p:spTree>
+      <p:nvGrpSpPr>
+        <p:cNvPr id="1" name=""/>
+        <p:cNvGrpSpPr/>
+        <p:nvPr/>
+      </p:nvGrpSpPr>
+      <p:grpSpPr>
+        <a:xfrm>
+          <a:off x="0" y="0"/>
+          <a:ext cx="0" cy="0"/>
+          <a:chOff x="0" y="0"/>
+          <a:chExt cx="0" cy="0"/>
+        </a:xfrm>
+      </p:grpSpPr>
+      <p:sp>
+        <p:nvSpPr>
+          <p:cNvPr id="2" name="Title 1"/>
+          <p:cNvSpPr>
+            <a:spLocks noGrp="1"/>
+          </p:cNvSpPr>
+          <p:nvPr>
+            <p:ph type="title"/>
+          </p:nvPr>
+        </p:nvSpPr>
+        <p:spPr/>
+        <p:txBody>
+          <a:bodyPr/>
+          <a:lstStyle/>
+          <a:p>
+            <a:pPr algn="ctr"/>
+            <a:r>
+              <a:rPr lang="en-GB" dirty="0" smtClean="0"/>
+              <a:t>Pretty print the </a:t>
+            </a:r>
+            <a:r>
+              <a:rPr lang="en-GB" dirty="0"/>
+              <a:t>private implementation</a:t>
+            </a:r>
+            <a:endParaRPr lang="en-GB" dirty="0"/>
+          </a:p>
+        </p:txBody>
+      </p:sp>
+      <p:pic>
+        <p:nvPicPr>
+          <p:cNvPr id="3" name="Picture 2"/>
+          <p:cNvPicPr>
+            <a:picLocks noChangeAspect="1"/>
+          </p:cNvPicPr>
+          <p:nvPr/>
+        </p:nvPicPr>
+        <p:blipFill>
+          <a:blip r:embed="rId2"/>
+          <a:stretch>
+            <a:fillRect/>
+          </a:stretch>
+        </p:blipFill>
+        <p:spPr>
+          <a:xfrm>
+            <a:off x="1083600" y="1324800"/>
+            <a:ext cx="10022400" cy="5324400"/>
+          </a:xfrm>
+          <a:prstGeom prst="rect">
+            <a:avLst/>
+          </a:prstGeom>
+        </p:spPr>
+      </p:pic>
+    </p:spTree>
+    <p:extLst>
+      <p:ext uri="{BB962C8B-B14F-4D97-AF65-F5344CB8AC3E}">
+        <p14:creationId xmlns:p14="http://schemas.microsoft.com/office/powerpoint/2010/main" val="43510070"/>
+      </p:ext>
+    </p:extLst>
+  </p:cSld>
+  <p:clrMapOvr>
+    <a:masterClrMapping/>
+  </p:clrMapOvr>
+  <p:timing>
+    <p:tnLst>
+      <p:par>
+        <p:cTn id="1" dur="indefinite" restart="never" nodeType="tmRoot"/>
+      </p:par>
+    </p:tnLst>
+  </p:timing>
+</p:sld>
+</file>
+
+<file path=ppt/slides/slide13.xml><?xml version="1.0" encoding="utf-8"?>
+<p:sld xmlns:a="http://schemas.openxmlformats.org/drawingml/2006/main" xmlns:r="http://schemas.openxmlformats.org/officeDocument/2006/relationships" xmlns:p="http://schemas.openxmlformats.org/presentationml/2006/main">
+  <p:cSld>
+    <p:spTree>
+      <p:nvGrpSpPr>
+        <p:cNvPr id="1" name=""/>
+        <p:cNvGrpSpPr/>
+        <p:nvPr/>
+      </p:nvGrpSpPr>
+      <p:grpSpPr>
+        <a:xfrm>
+          <a:off x="0" y="0"/>
+          <a:ext cx="0" cy="0"/>
+          <a:chOff x="0" y="0"/>
+          <a:chExt cx="0" cy="0"/>
+        </a:xfrm>
+      </p:grpSpPr>
+      <p:sp>
+        <p:nvSpPr>
+          <p:cNvPr id="2" name="Title 1"/>
+          <p:cNvSpPr>
+            <a:spLocks noGrp="1"/>
+          </p:cNvSpPr>
+          <p:nvPr>
+            <p:ph type="title"/>
+          </p:nvPr>
+        </p:nvSpPr>
+        <p:spPr/>
+        <p:txBody>
+          <a:bodyPr/>
+          <a:lstStyle/>
+          <a:p>
+            <a:pPr algn="ctr"/>
+            <a:r>
+              <a:rPr lang="en-GB" dirty="0" smtClean="0"/>
+              <a:t>Finally the !</a:t>
+            </a:r>
+            <a:r>
+              <a:rPr lang="en-GB" dirty="0" err="1" smtClean="0"/>
+              <a:t>finaliser</a:t>
+            </a:r>
+            <a:endParaRPr lang="en-GB" dirty="0"/>
+          </a:p>
+        </p:txBody>
+      </p:sp>
+      <p:sp>
+        <p:nvSpPr>
+          <p:cNvPr id="3" name="Content Placeholder 2"/>
+          <p:cNvSpPr>
+            <a:spLocks noGrp="1"/>
+          </p:cNvSpPr>
+          <p:nvPr>
+            <p:ph idx="1"/>
+          </p:nvPr>
+        </p:nvSpPr>
+        <p:spPr/>
+        <p:txBody>
+          <a:bodyPr/>
+          <a:lstStyle/>
+          <a:p>
+            <a:r>
+              <a:rPr lang="en-GB" dirty="0"/>
+              <a:t>e.g. Program::!Program</a:t>
+            </a:r>
+            <a:r>
+              <a:rPr lang="en-GB" dirty="0" smtClean="0"/>
+              <a:t>() for a managed class</a:t>
+            </a:r>
+            <a:endParaRPr lang="en-GB" dirty="0" smtClean="0"/>
+          </a:p>
+        </p:txBody>
+      </p:sp>
+    </p:spTree>
+    <p:extLst>
+      <p:ext uri="{BB962C8B-B14F-4D97-AF65-F5344CB8AC3E}">
+        <p14:creationId xmlns:p14="http://schemas.microsoft.com/office/powerpoint/2010/main" val="3906077617"/>
+      </p:ext>
+    </p:extLst>
+  </p:cSld>
+  <p:clrMapOvr>
+    <a:masterClrMapping/>
+  </p:clrMapOvr>
+  <p:timing>
+    <p:tnLst>
+      <p:par>
+        <p:cTn id="1" dur="indefinite" restart="never" nodeType="tmRoot"/>
+      </p:par>
+    </p:tnLst>
+  </p:timing>
+</p:sld>
+</file>
+
+<file path=ppt/slides/slide14.xml><?xml version="1.0" encoding="utf-8"?>
+<p:sld xmlns:a="http://schemas.openxmlformats.org/drawingml/2006/main" xmlns:r="http://schemas.openxmlformats.org/officeDocument/2006/relationships" xmlns:p="http://schemas.openxmlformats.org/presentationml/2006/main">
+  <p:cSld>
+    <p:spTree>
+      <p:nvGrpSpPr>
+        <p:cNvPr id="1" name=""/>
+        <p:cNvGrpSpPr/>
+        <p:nvPr/>
+      </p:nvGrpSpPr>
+      <p:grpSpPr>
+        <a:xfrm>
+          <a:off x="0" y="0"/>
+          <a:ext cx="0" cy="0"/>
+          <a:chOff x="0" y="0"/>
+          <a:chExt cx="0" cy="0"/>
+        </a:xfrm>
+      </p:grpSpPr>
+      <p:sp>
+        <p:nvSpPr>
+          <p:cNvPr id="2" name="Title 1"/>
+          <p:cNvSpPr>
+            <a:spLocks noGrp="1"/>
+          </p:cNvSpPr>
+          <p:nvPr>
+            <p:ph type="title"/>
+          </p:nvPr>
+        </p:nvSpPr>
+        <p:spPr/>
+        <p:txBody>
+          <a:bodyPr/>
+          <a:lstStyle/>
+          <a:p>
+            <a:pPr algn="ctr"/>
+            <a:r>
+              <a:rPr lang="en-GB" dirty="0" smtClean="0"/>
+              <a:t>Finally the !</a:t>
+            </a:r>
+            <a:r>
+              <a:rPr lang="en-GB" dirty="0" err="1" smtClean="0"/>
+              <a:t>finaliser</a:t>
+            </a:r>
+            <a:endParaRPr lang="en-GB" dirty="0"/>
+          </a:p>
+        </p:txBody>
+      </p:sp>
+      <p:sp>
+        <p:nvSpPr>
+          <p:cNvPr id="3" name="Content Placeholder 2"/>
+          <p:cNvSpPr>
+            <a:spLocks noGrp="1"/>
+          </p:cNvSpPr>
+          <p:nvPr>
+            <p:ph idx="1"/>
+          </p:nvPr>
+        </p:nvSpPr>
+        <p:spPr/>
+        <p:txBody>
+          <a:bodyPr/>
+          <a:lstStyle/>
+          <a:p>
+            <a:r>
+              <a:rPr lang="en-GB" dirty="0"/>
+              <a:t>e.g. Program::!Program</a:t>
+            </a:r>
+            <a:r>
+              <a:rPr lang="en-GB" dirty="0" smtClean="0"/>
+              <a:t>() for a managed class</a:t>
+            </a:r>
+            <a:endParaRPr lang="en-GB" dirty="0" smtClean="0"/>
+          </a:p>
+          <a:p>
+            <a:r>
+              <a:rPr lang="en-GB" dirty="0" smtClean="0"/>
+              <a:t>Called by the garbage collector which is run in a separate </a:t>
+            </a:r>
+            <a:r>
+              <a:rPr lang="en-GB" dirty="0" smtClean="0"/>
+              <a:t>thread</a:t>
+            </a:r>
+            <a:endParaRPr lang="en-GB" dirty="0" smtClean="0"/>
+          </a:p>
+        </p:txBody>
+      </p:sp>
+    </p:spTree>
+    <p:extLst>
+      <p:ext uri="{BB962C8B-B14F-4D97-AF65-F5344CB8AC3E}">
+        <p14:creationId xmlns:p14="http://schemas.microsoft.com/office/powerpoint/2010/main" val="2809553052"/>
+      </p:ext>
+    </p:extLst>
+  </p:cSld>
+  <p:clrMapOvr>
+    <a:masterClrMapping/>
+  </p:clrMapOvr>
+  <p:timing>
+    <p:tnLst>
+      <p:par>
+        <p:cTn id="1" dur="indefinite" restart="never" nodeType="tmRoot"/>
+      </p:par>
+    </p:tnLst>
+  </p:timing>
+</p:sld>
+</file>
+
+<file path=ppt/slides/slide15.xml><?xml version="1.0" encoding="utf-8"?>
+<p:sld xmlns:a="http://schemas.openxmlformats.org/drawingml/2006/main" xmlns:r="http://schemas.openxmlformats.org/officeDocument/2006/relationships" xmlns:p="http://schemas.openxmlformats.org/presentationml/2006/main">
+  <p:cSld>
+    <p:spTree>
+      <p:nvGrpSpPr>
+        <p:cNvPr id="1" name=""/>
+        <p:cNvGrpSpPr/>
+        <p:nvPr/>
+      </p:nvGrpSpPr>
+      <p:grpSpPr>
+        <a:xfrm>
+          <a:off x="0" y="0"/>
+          <a:ext cx="0" cy="0"/>
+          <a:chOff x="0" y="0"/>
+          <a:chExt cx="0" cy="0"/>
+        </a:xfrm>
+      </p:grpSpPr>
+      <p:sp>
+        <p:nvSpPr>
+          <p:cNvPr id="2" name="Title 1"/>
+          <p:cNvSpPr>
+            <a:spLocks noGrp="1"/>
+          </p:cNvSpPr>
+          <p:nvPr>
+            <p:ph type="title"/>
+          </p:nvPr>
+        </p:nvSpPr>
+        <p:spPr/>
+        <p:txBody>
+          <a:bodyPr/>
+          <a:lstStyle/>
+          <a:p>
+            <a:pPr algn="ctr"/>
+            <a:r>
+              <a:rPr lang="en-GB" dirty="0" smtClean="0"/>
+              <a:t>Finally the !</a:t>
+            </a:r>
+            <a:r>
+              <a:rPr lang="en-GB" dirty="0" err="1" smtClean="0"/>
+              <a:t>finaliser</a:t>
+            </a:r>
+            <a:endParaRPr lang="en-GB" dirty="0"/>
+          </a:p>
+        </p:txBody>
+      </p:sp>
+      <p:sp>
+        <p:nvSpPr>
+          <p:cNvPr id="3" name="Content Placeholder 2"/>
+          <p:cNvSpPr>
+            <a:spLocks noGrp="1"/>
+          </p:cNvSpPr>
+          <p:nvPr>
+            <p:ph idx="1"/>
+          </p:nvPr>
+        </p:nvSpPr>
+        <p:spPr/>
+        <p:txBody>
+          <a:bodyPr/>
+          <a:lstStyle/>
+          <a:p>
+            <a:r>
+              <a:rPr lang="en-GB" dirty="0"/>
+              <a:t>e.g. Program::!Program</a:t>
+            </a:r>
+            <a:r>
+              <a:rPr lang="en-GB" dirty="0" smtClean="0"/>
+              <a:t>() for a managed class</a:t>
+            </a:r>
+            <a:endParaRPr lang="en-GB" dirty="0" smtClean="0"/>
+          </a:p>
+          <a:p>
+            <a:r>
+              <a:rPr lang="en-GB" dirty="0" smtClean="0"/>
+              <a:t>Called by the garbage collector which is run in a separate thread</a:t>
+            </a:r>
+          </a:p>
+          <a:p>
+            <a:r>
+              <a:rPr lang="en-GB" dirty="0"/>
+              <a:t>I</a:t>
+            </a:r>
+            <a:r>
+              <a:rPr lang="en-GB" dirty="0" smtClean="0"/>
+              <a:t>f you try to delete unmanaged memory in the </a:t>
+            </a:r>
+            <a:r>
+              <a:rPr lang="en-GB" dirty="0" err="1" smtClean="0"/>
+              <a:t>finaliser</a:t>
+            </a:r>
+            <a:r>
+              <a:rPr lang="en-GB" dirty="0" smtClean="0"/>
+              <a:t> then expect random crashing</a:t>
+            </a:r>
+            <a:endParaRPr lang="en-GB" dirty="0"/>
+          </a:p>
+        </p:txBody>
+      </p:sp>
+    </p:spTree>
+    <p:extLst>
+      <p:ext uri="{BB962C8B-B14F-4D97-AF65-F5344CB8AC3E}">
+        <p14:creationId xmlns:p14="http://schemas.microsoft.com/office/powerpoint/2010/main" val="2146241905"/>
+      </p:ext>
+    </p:extLst>
+  </p:cSld>
+  <p:clrMapOvr>
+    <a:masterClrMapping/>
+  </p:clrMapOvr>
+  <p:timing>
+    <p:tnLst>
+      <p:par>
+        <p:cTn id="1" dur="indefinite" restart="never" nodeType="tmRoot"/>
+      </p:par>
+    </p:tnLst>
+  </p:timing>
 </p:sld>
 </file>
 
@@ -3146,7 +3835,11 @@
             <a:pPr algn="ctr"/>
             <a:r>
               <a:rPr lang="en-GB" dirty="0" smtClean="0"/>
-              <a:t>Pretty print your binaries</a:t>
+              <a:t>Pretty print </a:t>
+            </a:r>
+            <a:r>
+              <a:rPr lang="en-GB" dirty="0" smtClean="0"/>
+              <a:t>a binary</a:t>
             </a:r>
             <a:endParaRPr lang="en-GB" dirty="0"/>
           </a:p>
@@ -3162,6 +3855,13 @@
   <p:clrMapOvr>
     <a:masterClrMapping/>
   </p:clrMapOvr>
+  <p:timing>
+    <p:tnLst>
+      <p:par>
+        <p:cTn id="1" dur="indefinite" restart="never" nodeType="tmRoot"/>
+      </p:par>
+    </p:tnLst>
+  </p:timing>
 </p:sld>
 </file>
 
@@ -3182,53 +3882,6 @@
           <a:chExt cx="0" cy="0"/>
         </a:xfrm>
       </p:grpSpPr>
-      <p:sp>
-        <p:nvSpPr>
-          <p:cNvPr id="2" name="Title 1"/>
-          <p:cNvSpPr>
-            <a:spLocks noGrp="1"/>
-          </p:cNvSpPr>
-          <p:nvPr>
-            <p:ph type="title"/>
-          </p:nvPr>
-        </p:nvSpPr>
-        <p:spPr/>
-        <p:txBody>
-          <a:bodyPr/>
-          <a:lstStyle/>
-          <a:p>
-            <a:pPr algn="ctr"/>
-            <a:r>
-              <a:rPr lang="en-GB" dirty="0" smtClean="0"/>
-              <a:t>Create a public implementation</a:t>
-            </a:r>
-            <a:endParaRPr lang="en-GB" dirty="0"/>
-          </a:p>
-        </p:txBody>
-      </p:sp>
-      <p:pic>
-        <p:nvPicPr>
-          <p:cNvPr id="3" name="Picture 2"/>
-          <p:cNvPicPr>
-            <a:picLocks noChangeAspect="1"/>
-          </p:cNvPicPr>
-          <p:nvPr/>
-        </p:nvPicPr>
-        <p:blipFill rotWithShape="1">
-          <a:blip r:embed="rId2"/>
-          <a:srcRect l="2775" t="12568" r="70900" b="26242"/>
-          <a:stretch/>
-        </p:blipFill>
-        <p:spPr>
-          <a:xfrm>
-            <a:off x="585216" y="1690688"/>
-            <a:ext cx="3209544" cy="4006024"/>
-          </a:xfrm>
-          <a:prstGeom prst="rect">
-            <a:avLst/>
-          </a:prstGeom>
-        </p:spPr>
-      </p:pic>
       <p:pic>
         <p:nvPicPr>
           <p:cNvPr id="4" name="Picture 3"/>
@@ -3237,31 +3890,141 @@
           </p:cNvPicPr>
           <p:nvPr/>
         </p:nvPicPr>
-        <p:blipFill rotWithShape="1">
-          <a:blip r:embed="rId3"/>
-          <a:srcRect l="2925" t="12386" r="63025" b="32804"/>
-          <a:stretch/>
+        <p:blipFill>
+          <a:blip r:embed="rId2"/>
+          <a:stretch>
+            <a:fillRect/>
+          </a:stretch>
         </p:blipFill>
         <p:spPr>
           <a:xfrm>
-            <a:off x="5497200" y="1690689"/>
-            <a:ext cx="4151376" cy="3588322"/>
+            <a:off x="1085088" y="1325118"/>
+            <a:ext cx="10021824" cy="5324094"/>
           </a:xfrm>
           <a:prstGeom prst="rect">
             <a:avLst/>
           </a:prstGeom>
         </p:spPr>
       </p:pic>
+      <p:sp>
+        <p:nvSpPr>
+          <p:cNvPr id="5" name="Title 4"/>
+          <p:cNvSpPr>
+            <a:spLocks noGrp="1"/>
+          </p:cNvSpPr>
+          <p:nvPr>
+            <p:ph type="title"/>
+          </p:nvPr>
+        </p:nvSpPr>
+        <p:spPr/>
+        <p:txBody>
+          <a:bodyPr/>
+          <a:lstStyle/>
+          <a:p>
+            <a:pPr algn="ctr"/>
+            <a:r>
+              <a:rPr lang="en-GB" dirty="0" smtClean="0"/>
+              <a:t>Pretty print </a:t>
+            </a:r>
+            <a:r>
+              <a:rPr lang="en-GB" dirty="0" smtClean="0"/>
+              <a:t>a binary</a:t>
+            </a:r>
+            <a:endParaRPr lang="en-GB" dirty="0"/>
+          </a:p>
+        </p:txBody>
+      </p:sp>
+      <p:cxnSp>
+        <p:nvCxnSpPr>
+          <p:cNvPr id="6" name="Straight Arrow Connector 5"/>
+          <p:cNvCxnSpPr/>
+          <p:nvPr/>
+        </p:nvCxnSpPr>
+        <p:spPr>
+          <a:xfrm flipH="1" flipV="1">
+            <a:off x="5634030" y="4873752"/>
+            <a:ext cx="1984248" cy="932688"/>
+          </a:xfrm>
+          <a:prstGeom prst="straightConnector1">
+            <a:avLst/>
+          </a:prstGeom>
+          <a:ln>
+            <a:solidFill>
+              <a:srgbClr val="FF0000"/>
+            </a:solidFill>
+            <a:tailEnd type="triangle"/>
+          </a:ln>
+        </p:spPr>
+        <p:style>
+          <a:lnRef idx="1">
+            <a:schemeClr val="accent1"/>
+          </a:lnRef>
+          <a:fillRef idx="0">
+            <a:schemeClr val="accent1"/>
+          </a:fillRef>
+          <a:effectRef idx="0">
+            <a:schemeClr val="accent1"/>
+          </a:effectRef>
+          <a:fontRef idx="minor">
+            <a:schemeClr val="tx1"/>
+          </a:fontRef>
+        </p:style>
+      </p:cxnSp>
+      <p:sp>
+        <p:nvSpPr>
+          <p:cNvPr id="7" name="TextBox 6"/>
+          <p:cNvSpPr txBox="1"/>
+          <p:nvPr/>
+        </p:nvSpPr>
+        <p:spPr>
+          <a:xfrm>
+            <a:off x="7615362" y="5806440"/>
+            <a:ext cx="2624328" cy="369332"/>
+          </a:xfrm>
+          <a:prstGeom prst="rect">
+            <a:avLst/>
+          </a:prstGeom>
+          <a:noFill/>
+        </p:spPr>
+        <p:txBody>
+          <a:bodyPr wrap="square" rtlCol="0">
+            <a:spAutoFit/>
+          </a:bodyPr>
+          <a:lstStyle/>
+          <a:p>
+            <a:r>
+              <a:rPr lang="en-GB" dirty="0" smtClean="0">
+                <a:solidFill>
+                  <a:srgbClr val="FF0000"/>
+                </a:solidFill>
+              </a:rPr>
+              <a:t>Even the comments</a:t>
+            </a:r>
+            <a:endParaRPr lang="en-GB" dirty="0">
+              <a:solidFill>
+                <a:srgbClr val="FF0000"/>
+              </a:solidFill>
+            </a:endParaRPr>
+          </a:p>
+        </p:txBody>
+      </p:sp>
     </p:spTree>
     <p:extLst>
       <p:ext uri="{BB962C8B-B14F-4D97-AF65-F5344CB8AC3E}">
-        <p14:creationId xmlns:p14="http://schemas.microsoft.com/office/powerpoint/2010/main" val="1534956248"/>
+        <p14:creationId xmlns:p14="http://schemas.microsoft.com/office/powerpoint/2010/main" val="935014468"/>
       </p:ext>
     </p:extLst>
   </p:cSld>
   <p:clrMapOvr>
     <a:masterClrMapping/>
   </p:clrMapOvr>
+  <p:timing>
+    <p:tnLst>
+      <p:par>
+        <p:cTn id="1" dur="indefinite" restart="never" nodeType="tmRoot"/>
+      </p:par>
+    </p:tnLst>
+  </p:timing>
 </p:sld>
 </file>
 
@@ -3299,17 +4062,14 @@
           <a:p>
             <a:pPr algn="ctr"/>
             <a:r>
-              <a:rPr lang="en-GB" dirty="0"/>
-              <a:t>Create a </a:t>
-            </a:r>
-            <a:r>
               <a:rPr lang="en-GB" dirty="0" smtClean="0"/>
-              <a:t>private </a:t>
-            </a:r>
-            <a:r>
-              <a:rPr lang="en-GB" dirty="0"/>
-              <a:t>implementation</a:t>
-            </a:r>
+              <a:t>A </a:t>
+            </a:r>
+            <a:r>
+              <a:rPr lang="en-GB" dirty="0" smtClean="0"/>
+              <a:t>public implementation</a:t>
+            </a:r>
+            <a:endParaRPr lang="en-GB" dirty="0"/>
           </a:p>
         </p:txBody>
       </p:sp>
@@ -3323,13 +4083,13 @@
         </p:nvPicPr>
         <p:blipFill rotWithShape="1">
           <a:blip r:embed="rId2"/>
-          <a:srcRect l="3001" t="12569" r="57774" b="54749"/>
+          <a:srcRect l="2775" t="12568" r="70900" b="26242"/>
           <a:stretch/>
         </p:blipFill>
         <p:spPr>
           <a:xfrm>
-            <a:off x="586800" y="1692000"/>
-            <a:ext cx="4782312" cy="2139696"/>
+            <a:off x="585216" y="1690688"/>
+            <a:ext cx="3209544" cy="4006024"/>
           </a:xfrm>
           <a:prstGeom prst="rect">
             <a:avLst/>
@@ -3346,13 +4106,13 @@
         </p:nvPicPr>
         <p:blipFill rotWithShape="1">
           <a:blip r:embed="rId3"/>
-          <a:srcRect l="2850" t="12429" r="64750" b="56843"/>
+          <a:srcRect l="2925" t="12386" r="63025" b="32804"/>
           <a:stretch/>
         </p:blipFill>
         <p:spPr>
           <a:xfrm>
-            <a:off x="5495544" y="1692000"/>
-            <a:ext cx="3950208" cy="2011681"/>
+            <a:off x="5497200" y="1690689"/>
+            <a:ext cx="4151376" cy="3588322"/>
           </a:xfrm>
           <a:prstGeom prst="rect">
             <a:avLst/>
@@ -3362,13 +4122,20 @@
     </p:spTree>
     <p:extLst>
       <p:ext uri="{BB962C8B-B14F-4D97-AF65-F5344CB8AC3E}">
-        <p14:creationId xmlns:p14="http://schemas.microsoft.com/office/powerpoint/2010/main" val="4212618959"/>
+        <p14:creationId xmlns:p14="http://schemas.microsoft.com/office/powerpoint/2010/main" val="1534956248"/>
       </p:ext>
     </p:extLst>
   </p:cSld>
   <p:clrMapOvr>
     <a:masterClrMapping/>
   </p:clrMapOvr>
+  <p:timing>
+    <p:tnLst>
+      <p:par>
+        <p:cTn id="1" dur="indefinite" restart="never" nodeType="tmRoot"/>
+      </p:par>
+    </p:tnLst>
+  </p:timing>
 </p:sld>
 </file>
 
@@ -3407,12 +4174,39 @@
             <a:pPr algn="ctr"/>
             <a:r>
               <a:rPr lang="en-GB" dirty="0" smtClean="0"/>
-              <a:t>Pretty print the public</a:t>
+              <a:t>A </a:t>
+            </a:r>
+            <a:r>
+              <a:rPr lang="en-GB" dirty="0" smtClean="0"/>
+              <a:t>public implementation</a:t>
             </a:r>
             <a:endParaRPr lang="en-GB" dirty="0"/>
           </a:p>
         </p:txBody>
       </p:sp>
+      <p:pic>
+        <p:nvPicPr>
+          <p:cNvPr id="3" name="Picture 2"/>
+          <p:cNvPicPr>
+            <a:picLocks noChangeAspect="1"/>
+          </p:cNvPicPr>
+          <p:nvPr/>
+        </p:nvPicPr>
+        <p:blipFill rotWithShape="1">
+          <a:blip r:embed="rId2"/>
+          <a:srcRect l="2775" t="12568" r="70900" b="26242"/>
+          <a:stretch/>
+        </p:blipFill>
+        <p:spPr>
+          <a:xfrm>
+            <a:off x="585216" y="1690688"/>
+            <a:ext cx="3209544" cy="4006024"/>
+          </a:xfrm>
+          <a:prstGeom prst="rect">
+            <a:avLst/>
+          </a:prstGeom>
+        </p:spPr>
+      </p:pic>
       <p:pic>
         <p:nvPicPr>
           <p:cNvPr id="4" name="Picture 3"/>
@@ -3421,32 +4215,112 @@
           </p:cNvPicPr>
           <p:nvPr/>
         </p:nvPicPr>
-        <p:blipFill>
-          <a:blip r:embed="rId2"/>
-          <a:stretch>
-            <a:fillRect/>
-          </a:stretch>
+        <p:blipFill rotWithShape="1">
+          <a:blip r:embed="rId3"/>
+          <a:srcRect l="2925" t="12386" r="63025" b="32804"/>
+          <a:stretch/>
         </p:blipFill>
         <p:spPr>
           <a:xfrm>
-            <a:off x="1083600" y="1324800"/>
-            <a:ext cx="10022400" cy="5324400"/>
+            <a:off x="5497200" y="1690689"/>
+            <a:ext cx="4151376" cy="3588322"/>
           </a:xfrm>
           <a:prstGeom prst="rect">
             <a:avLst/>
           </a:prstGeom>
         </p:spPr>
       </p:pic>
+      <p:cxnSp>
+        <p:nvCxnSpPr>
+          <p:cNvPr id="8" name="Straight Arrow Connector 7"/>
+          <p:cNvCxnSpPr/>
+          <p:nvPr/>
+        </p:nvCxnSpPr>
+        <p:spPr>
+          <a:xfrm flipH="1" flipV="1">
+            <a:off x="1490472" y="4416552"/>
+            <a:ext cx="2697480" cy="1353312"/>
+          </a:xfrm>
+          <a:prstGeom prst="straightConnector1">
+            <a:avLst/>
+          </a:prstGeom>
+          <a:ln>
+            <a:solidFill>
+              <a:srgbClr val="FF0000"/>
+            </a:solidFill>
+            <a:tailEnd type="triangle"/>
+          </a:ln>
+        </p:spPr>
+        <p:style>
+          <a:lnRef idx="1">
+            <a:schemeClr val="accent1"/>
+          </a:lnRef>
+          <a:fillRef idx="0">
+            <a:schemeClr val="accent1"/>
+          </a:fillRef>
+          <a:effectRef idx="0">
+            <a:schemeClr val="accent1"/>
+          </a:effectRef>
+          <a:fontRef idx="minor">
+            <a:schemeClr val="tx1"/>
+          </a:fontRef>
+        </p:style>
+      </p:cxnSp>
+      <p:sp>
+        <p:nvSpPr>
+          <p:cNvPr id="9" name="TextBox 8"/>
+          <p:cNvSpPr txBox="1"/>
+          <p:nvPr/>
+        </p:nvSpPr>
+        <p:spPr>
+          <a:xfrm>
+            <a:off x="4185036" y="5769864"/>
+            <a:ext cx="2624328" cy="369332"/>
+          </a:xfrm>
+          <a:prstGeom prst="rect">
+            <a:avLst/>
+          </a:prstGeom>
+          <a:noFill/>
+        </p:spPr>
+        <p:txBody>
+          <a:bodyPr wrap="square" rtlCol="0">
+            <a:spAutoFit/>
+          </a:bodyPr>
+          <a:lstStyle/>
+          <a:p>
+            <a:r>
+              <a:rPr lang="en-GB" dirty="0" smtClean="0">
+                <a:solidFill>
+                  <a:srgbClr val="FF0000"/>
+                </a:solidFill>
+              </a:rPr>
+              <a:t>This is a managed class</a:t>
+            </a:r>
+            <a:endParaRPr lang="en-GB" dirty="0">
+              <a:solidFill>
+                <a:srgbClr val="FF0000"/>
+              </a:solidFill>
+            </a:endParaRPr>
+          </a:p>
+        </p:txBody>
+      </p:sp>
     </p:spTree>
     <p:extLst>
       <p:ext uri="{BB962C8B-B14F-4D97-AF65-F5344CB8AC3E}">
-        <p14:creationId xmlns:p14="http://schemas.microsoft.com/office/powerpoint/2010/main" val="3185220670"/>
+        <p14:creationId xmlns:p14="http://schemas.microsoft.com/office/powerpoint/2010/main" val="2039644829"/>
       </p:ext>
     </p:extLst>
   </p:cSld>
   <p:clrMapOvr>
     <a:masterClrMapping/>
   </p:clrMapOvr>
+  <p:timing>
+    <p:tnLst>
+      <p:par>
+        <p:cTn id="1" dur="indefinite" restart="never" nodeType="tmRoot"/>
+      </p:par>
+    </p:tnLst>
+  </p:timing>
 </p:sld>
 </file>
 
@@ -3485,7 +4359,11 @@
             <a:pPr algn="ctr"/>
             <a:r>
               <a:rPr lang="en-GB" dirty="0" smtClean="0"/>
-              <a:t>Pretty print the private</a:t>
+              <a:t>A </a:t>
+            </a:r>
+            <a:r>
+              <a:rPr lang="en-GB" dirty="0" smtClean="0"/>
+              <a:t>public implementation</a:t>
             </a:r>
             <a:endParaRPr lang="en-GB" dirty="0"/>
           </a:p>
@@ -3499,32 +4377,135 @@
           </p:cNvPicPr>
           <p:nvPr/>
         </p:nvPicPr>
-        <p:blipFill>
+        <p:blipFill rotWithShape="1">
           <a:blip r:embed="rId2"/>
-          <a:stretch>
-            <a:fillRect/>
-          </a:stretch>
+          <a:srcRect l="2775" t="12568" r="70900" b="26242"/>
+          <a:stretch/>
         </p:blipFill>
         <p:spPr>
           <a:xfrm>
-            <a:off x="1083600" y="1324800"/>
-            <a:ext cx="10022400" cy="5324400"/>
+            <a:off x="585216" y="1690688"/>
+            <a:ext cx="3209544" cy="4006024"/>
           </a:xfrm>
           <a:prstGeom prst="rect">
             <a:avLst/>
           </a:prstGeom>
         </p:spPr>
       </p:pic>
+      <p:pic>
+        <p:nvPicPr>
+          <p:cNvPr id="4" name="Picture 3"/>
+          <p:cNvPicPr>
+            <a:picLocks noChangeAspect="1"/>
+          </p:cNvPicPr>
+          <p:nvPr/>
+        </p:nvPicPr>
+        <p:blipFill rotWithShape="1">
+          <a:blip r:embed="rId3"/>
+          <a:srcRect l="2925" t="12386" r="63025" b="32804"/>
+          <a:stretch/>
+        </p:blipFill>
+        <p:spPr>
+          <a:xfrm>
+            <a:off x="5497200" y="1690689"/>
+            <a:ext cx="4151376" cy="3588322"/>
+          </a:xfrm>
+          <a:prstGeom prst="rect">
+            <a:avLst/>
+          </a:prstGeom>
+        </p:spPr>
+      </p:pic>
+      <p:cxnSp>
+        <p:nvCxnSpPr>
+          <p:cNvPr id="8" name="Straight Arrow Connector 7"/>
+          <p:cNvCxnSpPr/>
+          <p:nvPr/>
+        </p:nvCxnSpPr>
+        <p:spPr>
+          <a:xfrm flipH="1" flipV="1">
+            <a:off x="7077456" y="3147983"/>
+            <a:ext cx="2697480" cy="1353312"/>
+          </a:xfrm>
+          <a:prstGeom prst="straightConnector1">
+            <a:avLst/>
+          </a:prstGeom>
+          <a:ln>
+            <a:solidFill>
+              <a:srgbClr val="FF0000"/>
+            </a:solidFill>
+            <a:tailEnd type="triangle"/>
+          </a:ln>
+        </p:spPr>
+        <p:style>
+          <a:lnRef idx="1">
+            <a:schemeClr val="accent1"/>
+          </a:lnRef>
+          <a:fillRef idx="0">
+            <a:schemeClr val="accent1"/>
+          </a:fillRef>
+          <a:effectRef idx="0">
+            <a:schemeClr val="accent1"/>
+          </a:effectRef>
+          <a:fontRef idx="minor">
+            <a:schemeClr val="tx1"/>
+          </a:fontRef>
+        </p:style>
+      </p:cxnSp>
+      <p:sp>
+        <p:nvSpPr>
+          <p:cNvPr id="9" name="TextBox 8"/>
+          <p:cNvSpPr txBox="1"/>
+          <p:nvPr/>
+        </p:nvSpPr>
+        <p:spPr>
+          <a:xfrm>
+            <a:off x="9648576" y="4501295"/>
+            <a:ext cx="2624328" cy="646331"/>
+          </a:xfrm>
+          <a:prstGeom prst="rect">
+            <a:avLst/>
+          </a:prstGeom>
+          <a:noFill/>
+        </p:spPr>
+        <p:txBody>
+          <a:bodyPr wrap="square" rtlCol="0">
+            <a:spAutoFit/>
+          </a:bodyPr>
+          <a:lstStyle/>
+          <a:p>
+            <a:r>
+              <a:rPr lang="en-GB" dirty="0" smtClean="0">
+                <a:solidFill>
+                  <a:srgbClr val="FF0000"/>
+                </a:solidFill>
+              </a:rPr>
+              <a:t>The constructor creates a private implementation</a:t>
+            </a:r>
+            <a:endParaRPr lang="en-GB" dirty="0">
+              <a:solidFill>
+                <a:srgbClr val="FF0000"/>
+              </a:solidFill>
+            </a:endParaRPr>
+          </a:p>
+        </p:txBody>
+      </p:sp>
     </p:spTree>
     <p:extLst>
       <p:ext uri="{BB962C8B-B14F-4D97-AF65-F5344CB8AC3E}">
-        <p14:creationId xmlns:p14="http://schemas.microsoft.com/office/powerpoint/2010/main" val="43510070"/>
+        <p14:creationId xmlns:p14="http://schemas.microsoft.com/office/powerpoint/2010/main" val="4018000139"/>
       </p:ext>
     </p:extLst>
   </p:cSld>
   <p:clrMapOvr>
     <a:masterClrMapping/>
   </p:clrMapOvr>
+  <p:timing>
+    <p:tnLst>
+      <p:par>
+        <p:cTn id="1" dur="indefinite" restart="never" nodeType="tmRoot"/>
+      </p:par>
+    </p:tnLst>
+  </p:timing>
 </p:sld>
 </file>
 
@@ -3563,74 +4544,458 @@
             <a:pPr algn="ctr"/>
             <a:r>
               <a:rPr lang="en-GB" dirty="0" smtClean="0"/>
-              <a:t>Finally the !</a:t>
-            </a:r>
-            <a:r>
-              <a:rPr lang="en-GB" dirty="0" err="1" smtClean="0"/>
-              <a:t>finaliser</a:t>
-            </a:r>
-            <a:endParaRPr lang="en-GB" dirty="0"/>
-          </a:p>
-        </p:txBody>
-      </p:sp>
-      <p:sp>
-        <p:nvSpPr>
-          <p:cNvPr id="3" name="Content Placeholder 2"/>
-          <p:cNvSpPr>
-            <a:spLocks noGrp="1"/>
-          </p:cNvSpPr>
-          <p:nvPr>
-            <p:ph idx="1"/>
-          </p:nvPr>
-        </p:nvSpPr>
-        <p:spPr/>
-        <p:txBody>
-          <a:bodyPr/>
-          <a:lstStyle/>
-          <a:p>
+              <a:t>A </a:t>
+            </a:r>
+            <a:r>
+              <a:rPr lang="en-GB" dirty="0" smtClean="0"/>
+              <a:t>private </a:t>
+            </a:r>
             <a:r>
               <a:rPr lang="en-GB" dirty="0"/>
-              <a:t>e.g. Program::!Program()</a:t>
-            </a:r>
-            <a:endParaRPr lang="en-GB" dirty="0" smtClean="0"/>
-          </a:p>
-          <a:p>
-            <a:r>
-              <a:rPr lang="en-GB" dirty="0" smtClean="0"/>
-              <a:t>Called by the garbage collector which is run in a separate thread</a:t>
-            </a:r>
-          </a:p>
-          <a:p>
-            <a:r>
-              <a:rPr lang="en-GB" dirty="0"/>
-              <a:t>I</a:t>
-            </a:r>
-            <a:r>
-              <a:rPr lang="en-GB" dirty="0" smtClean="0"/>
-              <a:t>f you try to delete unmanaged memory in the </a:t>
-            </a:r>
-            <a:r>
-              <a:rPr lang="en-GB" dirty="0" err="1" smtClean="0"/>
-              <a:t>finaliser</a:t>
-            </a:r>
-            <a:r>
-              <a:rPr lang="en-GB" dirty="0" smtClean="0"/>
-              <a:t> then expect random crashing</a:t>
-            </a:r>
-            <a:endParaRPr lang="en-GB" dirty="0"/>
-          </a:p>
-        </p:txBody>
-      </p:sp>
+              <a:t>implementation</a:t>
+            </a:r>
+          </a:p>
+        </p:txBody>
+      </p:sp>
+      <p:pic>
+        <p:nvPicPr>
+          <p:cNvPr id="3" name="Picture 2"/>
+          <p:cNvPicPr>
+            <a:picLocks noChangeAspect="1"/>
+          </p:cNvPicPr>
+          <p:nvPr/>
+        </p:nvPicPr>
+        <p:blipFill rotWithShape="1">
+          <a:blip r:embed="rId2"/>
+          <a:srcRect l="3001" t="12569" r="57774" b="54749"/>
+          <a:stretch/>
+        </p:blipFill>
+        <p:spPr>
+          <a:xfrm>
+            <a:off x="586800" y="1692000"/>
+            <a:ext cx="4782312" cy="2139696"/>
+          </a:xfrm>
+          <a:prstGeom prst="rect">
+            <a:avLst/>
+          </a:prstGeom>
+        </p:spPr>
+      </p:pic>
+      <p:pic>
+        <p:nvPicPr>
+          <p:cNvPr id="4" name="Picture 3"/>
+          <p:cNvPicPr>
+            <a:picLocks noChangeAspect="1"/>
+          </p:cNvPicPr>
+          <p:nvPr/>
+        </p:nvPicPr>
+        <p:blipFill rotWithShape="1">
+          <a:blip r:embed="rId3"/>
+          <a:srcRect l="2850" t="12429" r="64750" b="56843"/>
+          <a:stretch/>
+        </p:blipFill>
+        <p:spPr>
+          <a:xfrm>
+            <a:off x="5495544" y="1692000"/>
+            <a:ext cx="3950208" cy="2011681"/>
+          </a:xfrm>
+          <a:prstGeom prst="rect">
+            <a:avLst/>
+          </a:prstGeom>
+        </p:spPr>
+      </p:pic>
     </p:spTree>
     <p:extLst>
       <p:ext uri="{BB962C8B-B14F-4D97-AF65-F5344CB8AC3E}">
-        <p14:creationId xmlns:p14="http://schemas.microsoft.com/office/powerpoint/2010/main" val="3906077617"/>
+        <p14:creationId xmlns:p14="http://schemas.microsoft.com/office/powerpoint/2010/main" val="4212618959"/>
       </p:ext>
     </p:extLst>
   </p:cSld>
   <p:clrMapOvr>
     <a:masterClrMapping/>
   </p:clrMapOvr>
+  <p:timing>
+    <p:tnLst>
+      <p:par>
+        <p:cTn id="1" dur="indefinite" restart="never" nodeType="tmRoot"/>
+      </p:par>
+    </p:tnLst>
+  </p:timing>
+</p:sld>
+</file>
+
+<file path=ppt/slides/slide8.xml><?xml version="1.0" encoding="utf-8"?>
+<p:sld xmlns:a="http://schemas.openxmlformats.org/drawingml/2006/main" xmlns:r="http://schemas.openxmlformats.org/officeDocument/2006/relationships" xmlns:p="http://schemas.openxmlformats.org/presentationml/2006/main">
+  <p:cSld>
+    <p:spTree>
+      <p:nvGrpSpPr>
+        <p:cNvPr id="1" name=""/>
+        <p:cNvGrpSpPr/>
+        <p:nvPr/>
+      </p:nvGrpSpPr>
+      <p:grpSpPr>
+        <a:xfrm>
+          <a:off x="0" y="0"/>
+          <a:ext cx="0" cy="0"/>
+          <a:chOff x="0" y="0"/>
+          <a:chExt cx="0" cy="0"/>
+        </a:xfrm>
+      </p:grpSpPr>
+      <p:sp>
+        <p:nvSpPr>
+          <p:cNvPr id="2" name="Title 1"/>
+          <p:cNvSpPr>
+            <a:spLocks noGrp="1"/>
+          </p:cNvSpPr>
+          <p:nvPr>
+            <p:ph type="title"/>
+          </p:nvPr>
+        </p:nvSpPr>
+        <p:spPr/>
+        <p:txBody>
+          <a:bodyPr/>
+          <a:lstStyle/>
+          <a:p>
+            <a:pPr algn="ctr"/>
+            <a:r>
+              <a:rPr lang="en-GB" dirty="0" smtClean="0"/>
+              <a:t>A </a:t>
+            </a:r>
+            <a:r>
+              <a:rPr lang="en-GB" dirty="0" smtClean="0"/>
+              <a:t>private </a:t>
+            </a:r>
+            <a:r>
+              <a:rPr lang="en-GB" dirty="0"/>
+              <a:t>implementation</a:t>
+            </a:r>
+          </a:p>
+        </p:txBody>
+      </p:sp>
+      <p:pic>
+        <p:nvPicPr>
+          <p:cNvPr id="3" name="Picture 2"/>
+          <p:cNvPicPr>
+            <a:picLocks noChangeAspect="1"/>
+          </p:cNvPicPr>
+          <p:nvPr/>
+        </p:nvPicPr>
+        <p:blipFill rotWithShape="1">
+          <a:blip r:embed="rId2"/>
+          <a:srcRect l="3001" t="12569" r="57774" b="54749"/>
+          <a:stretch/>
+        </p:blipFill>
+        <p:spPr>
+          <a:xfrm>
+            <a:off x="586800" y="1692000"/>
+            <a:ext cx="4782312" cy="2139696"/>
+          </a:xfrm>
+          <a:prstGeom prst="rect">
+            <a:avLst/>
+          </a:prstGeom>
+        </p:spPr>
+      </p:pic>
+      <p:pic>
+        <p:nvPicPr>
+          <p:cNvPr id="4" name="Picture 3"/>
+          <p:cNvPicPr>
+            <a:picLocks noChangeAspect="1"/>
+          </p:cNvPicPr>
+          <p:nvPr/>
+        </p:nvPicPr>
+        <p:blipFill rotWithShape="1">
+          <a:blip r:embed="rId3"/>
+          <a:srcRect l="2850" t="12429" r="64750" b="56843"/>
+          <a:stretch/>
+        </p:blipFill>
+        <p:spPr>
+          <a:xfrm>
+            <a:off x="5495544" y="1692000"/>
+            <a:ext cx="3950208" cy="2011681"/>
+          </a:xfrm>
+          <a:prstGeom prst="rect">
+            <a:avLst/>
+          </a:prstGeom>
+        </p:spPr>
+      </p:pic>
+      <p:cxnSp>
+        <p:nvCxnSpPr>
+          <p:cNvPr id="5" name="Straight Arrow Connector 4"/>
+          <p:cNvCxnSpPr/>
+          <p:nvPr/>
+        </p:nvCxnSpPr>
+        <p:spPr>
+          <a:xfrm flipH="1" flipV="1">
+            <a:off x="1645920" y="2807208"/>
+            <a:ext cx="2697480" cy="1353312"/>
+          </a:xfrm>
+          <a:prstGeom prst="straightConnector1">
+            <a:avLst/>
+          </a:prstGeom>
+          <a:ln>
+            <a:solidFill>
+              <a:srgbClr val="FF0000"/>
+            </a:solidFill>
+            <a:tailEnd type="triangle"/>
+          </a:ln>
+        </p:spPr>
+        <p:style>
+          <a:lnRef idx="1">
+            <a:schemeClr val="accent1"/>
+          </a:lnRef>
+          <a:fillRef idx="0">
+            <a:schemeClr val="accent1"/>
+          </a:fillRef>
+          <a:effectRef idx="0">
+            <a:schemeClr val="accent1"/>
+          </a:effectRef>
+          <a:fontRef idx="minor">
+            <a:schemeClr val="tx1"/>
+          </a:fontRef>
+        </p:style>
+      </p:cxnSp>
+      <p:sp>
+        <p:nvSpPr>
+          <p:cNvPr id="6" name="TextBox 5"/>
+          <p:cNvSpPr txBox="1"/>
+          <p:nvPr/>
+        </p:nvSpPr>
+        <p:spPr>
+          <a:xfrm>
+            <a:off x="4340484" y="4160520"/>
+            <a:ext cx="2901564" cy="369332"/>
+          </a:xfrm>
+          <a:prstGeom prst="rect">
+            <a:avLst/>
+          </a:prstGeom>
+          <a:noFill/>
+        </p:spPr>
+        <p:txBody>
+          <a:bodyPr wrap="square" rtlCol="0">
+            <a:spAutoFit/>
+          </a:bodyPr>
+          <a:lstStyle/>
+          <a:p>
+            <a:r>
+              <a:rPr lang="en-GB" dirty="0" smtClean="0">
+                <a:solidFill>
+                  <a:srgbClr val="FF0000"/>
+                </a:solidFill>
+              </a:rPr>
+              <a:t>This is an unmanaged class</a:t>
+            </a:r>
+            <a:endParaRPr lang="en-GB" dirty="0">
+              <a:solidFill>
+                <a:srgbClr val="FF0000"/>
+              </a:solidFill>
+            </a:endParaRPr>
+          </a:p>
+        </p:txBody>
+      </p:sp>
+    </p:spTree>
+    <p:extLst>
+      <p:ext uri="{BB962C8B-B14F-4D97-AF65-F5344CB8AC3E}">
+        <p14:creationId xmlns:p14="http://schemas.microsoft.com/office/powerpoint/2010/main" val="133478008"/>
+      </p:ext>
+    </p:extLst>
+  </p:cSld>
+  <p:clrMapOvr>
+    <a:masterClrMapping/>
+  </p:clrMapOvr>
+  <p:timing>
+    <p:tnLst>
+      <p:par>
+        <p:cTn id="1" dur="indefinite" restart="never" nodeType="tmRoot"/>
+      </p:par>
+    </p:tnLst>
+  </p:timing>
+</p:sld>
+</file>
+
+<file path=ppt/slides/slide9.xml><?xml version="1.0" encoding="utf-8"?>
+<p:sld xmlns:a="http://schemas.openxmlformats.org/drawingml/2006/main" xmlns:r="http://schemas.openxmlformats.org/officeDocument/2006/relationships" xmlns:p="http://schemas.openxmlformats.org/presentationml/2006/main">
+  <p:cSld>
+    <p:spTree>
+      <p:nvGrpSpPr>
+        <p:cNvPr id="1" name=""/>
+        <p:cNvGrpSpPr/>
+        <p:nvPr/>
+      </p:nvGrpSpPr>
+      <p:grpSpPr>
+        <a:xfrm>
+          <a:off x="0" y="0"/>
+          <a:ext cx="0" cy="0"/>
+          <a:chOff x="0" y="0"/>
+          <a:chExt cx="0" cy="0"/>
+        </a:xfrm>
+      </p:grpSpPr>
+      <p:sp>
+        <p:nvSpPr>
+          <p:cNvPr id="2" name="Title 1"/>
+          <p:cNvSpPr>
+            <a:spLocks noGrp="1"/>
+          </p:cNvSpPr>
+          <p:nvPr>
+            <p:ph type="title"/>
+          </p:nvPr>
+        </p:nvSpPr>
+        <p:spPr/>
+        <p:txBody>
+          <a:bodyPr/>
+          <a:lstStyle/>
+          <a:p>
+            <a:pPr algn="ctr"/>
+            <a:r>
+              <a:rPr lang="en-GB" dirty="0" smtClean="0"/>
+              <a:t>A </a:t>
+            </a:r>
+            <a:r>
+              <a:rPr lang="en-GB" dirty="0" smtClean="0"/>
+              <a:t>private </a:t>
+            </a:r>
+            <a:r>
+              <a:rPr lang="en-GB" dirty="0"/>
+              <a:t>implementation</a:t>
+            </a:r>
+          </a:p>
+        </p:txBody>
+      </p:sp>
+      <p:pic>
+        <p:nvPicPr>
+          <p:cNvPr id="3" name="Picture 2"/>
+          <p:cNvPicPr>
+            <a:picLocks noChangeAspect="1"/>
+          </p:cNvPicPr>
+          <p:nvPr/>
+        </p:nvPicPr>
+        <p:blipFill rotWithShape="1">
+          <a:blip r:embed="rId2"/>
+          <a:srcRect l="3001" t="12569" r="57774" b="54749"/>
+          <a:stretch/>
+        </p:blipFill>
+        <p:spPr>
+          <a:xfrm>
+            <a:off x="586800" y="1692000"/>
+            <a:ext cx="4782312" cy="2139696"/>
+          </a:xfrm>
+          <a:prstGeom prst="rect">
+            <a:avLst/>
+          </a:prstGeom>
+        </p:spPr>
+      </p:pic>
+      <p:pic>
+        <p:nvPicPr>
+          <p:cNvPr id="4" name="Picture 3"/>
+          <p:cNvPicPr>
+            <a:picLocks noChangeAspect="1"/>
+          </p:cNvPicPr>
+          <p:nvPr/>
+        </p:nvPicPr>
+        <p:blipFill rotWithShape="1">
+          <a:blip r:embed="rId3"/>
+          <a:srcRect l="2850" t="12429" r="64750" b="56843"/>
+          <a:stretch/>
+        </p:blipFill>
+        <p:spPr>
+          <a:xfrm>
+            <a:off x="5495544" y="1692000"/>
+            <a:ext cx="3950208" cy="2011681"/>
+          </a:xfrm>
+          <a:prstGeom prst="rect">
+            <a:avLst/>
+          </a:prstGeom>
+        </p:spPr>
+      </p:pic>
+      <p:cxnSp>
+        <p:nvCxnSpPr>
+          <p:cNvPr id="5" name="Straight Arrow Connector 4"/>
+          <p:cNvCxnSpPr/>
+          <p:nvPr/>
+        </p:nvCxnSpPr>
+        <p:spPr>
+          <a:xfrm flipH="1" flipV="1">
+            <a:off x="2798064" y="3155040"/>
+            <a:ext cx="2697480" cy="1353312"/>
+          </a:xfrm>
+          <a:prstGeom prst="straightConnector1">
+            <a:avLst/>
+          </a:prstGeom>
+          <a:ln>
+            <a:solidFill>
+              <a:srgbClr val="FF0000"/>
+            </a:solidFill>
+            <a:tailEnd type="triangle"/>
+          </a:ln>
+        </p:spPr>
+        <p:style>
+          <a:lnRef idx="1">
+            <a:schemeClr val="accent1"/>
+          </a:lnRef>
+          <a:fillRef idx="0">
+            <a:schemeClr val="accent1"/>
+          </a:fillRef>
+          <a:effectRef idx="0">
+            <a:schemeClr val="accent1"/>
+          </a:effectRef>
+          <a:fontRef idx="minor">
+            <a:schemeClr val="tx1"/>
+          </a:fontRef>
+        </p:style>
+      </p:cxnSp>
+      <p:sp>
+        <p:nvSpPr>
+          <p:cNvPr id="6" name="TextBox 5"/>
+          <p:cNvSpPr txBox="1"/>
+          <p:nvPr/>
+        </p:nvSpPr>
+        <p:spPr>
+          <a:xfrm>
+            <a:off x="5492628" y="4508352"/>
+            <a:ext cx="2901564" cy="646331"/>
+          </a:xfrm>
+          <a:prstGeom prst="rect">
+            <a:avLst/>
+          </a:prstGeom>
+          <a:noFill/>
+        </p:spPr>
+        <p:txBody>
+          <a:bodyPr wrap="square" rtlCol="0">
+            <a:spAutoFit/>
+          </a:bodyPr>
+          <a:lstStyle/>
+          <a:p>
+            <a:r>
+              <a:rPr lang="en-GB" dirty="0" smtClean="0">
+                <a:solidFill>
+                  <a:srgbClr val="FF0000"/>
+                </a:solidFill>
+              </a:rPr>
+              <a:t>It stores a counted reference to a managed class</a:t>
+            </a:r>
+            <a:endParaRPr lang="en-GB" dirty="0">
+              <a:solidFill>
+                <a:srgbClr val="FF0000"/>
+              </a:solidFill>
+            </a:endParaRPr>
+          </a:p>
+        </p:txBody>
+      </p:sp>
+    </p:spTree>
+    <p:extLst>
+      <p:ext uri="{BB962C8B-B14F-4D97-AF65-F5344CB8AC3E}">
+        <p14:creationId xmlns:p14="http://schemas.microsoft.com/office/powerpoint/2010/main" val="2507758679"/>
+      </p:ext>
+    </p:extLst>
+  </p:cSld>
+  <p:clrMapOvr>
+    <a:masterClrMapping/>
+  </p:clrMapOvr>
+  <p:timing>
+    <p:tnLst>
+      <p:par>
+        <p:cTn id="1" dur="indefinite" restart="never" nodeType="tmRoot"/>
+      </p:par>
+    </p:tnLst>
+  </p:timing>
 </p:sld>
 </file>
 
